--- a/less-7-函数1.pptx
+++ b/less-7-函数1.pptx
@@ -123,7 +123,7 @@
   </p:defaultTextStyle>
   <p:extLst>
     <p:ext uri="{EFAFB233-063F-42B5-8137-9DF3F51BA10A}">
-      <p15:sldGuideLst xmlns="" xmlns:p15="http://schemas.microsoft.com/office/powerpoint/2012/main">
+      <p15:sldGuideLst xmlns:p15="http://schemas.microsoft.com/office/powerpoint/2012/main" xmlns="">
         <p15:guide id="1" orient="horz" pos="2160">
           <p15:clr>
             <a:srgbClr val="A4A3A4"/>
@@ -222,7 +222,7 @@
           <a:p>
             <a:fld id="{918C987C-5DAD-4601-B625-55A3208473B0}" type="datetimeFigureOut">
               <a:rPr lang="zh-CN" altLang="en-US" smtClean="0"/>
-              <a:t>2018/12/12</a:t>
+              <a:t>2018/12/24</a:t>
             </a:fld>
             <a:endParaRPr lang="zh-CN" altLang="en-US"/>
           </a:p>
@@ -671,7 +671,7 @@
           <a:p>
             <a:fld id="{17C7C8FB-1C37-4023-AA22-09D5A8E13DCF}" type="datetimeFigureOut">
               <a:rPr lang="zh-CN" altLang="en-US" smtClean="0"/>
-              <a:t>2018/12/12</a:t>
+              <a:t>2018/12/24</a:t>
             </a:fld>
             <a:endParaRPr lang="zh-CN" altLang="en-US"/>
           </a:p>
@@ -841,7 +841,7 @@
           <a:p>
             <a:fld id="{17C7C8FB-1C37-4023-AA22-09D5A8E13DCF}" type="datetimeFigureOut">
               <a:rPr lang="zh-CN" altLang="en-US" smtClean="0"/>
-              <a:t>2018/12/12</a:t>
+              <a:t>2018/12/24</a:t>
             </a:fld>
             <a:endParaRPr lang="zh-CN" altLang="en-US"/>
           </a:p>
@@ -1021,7 +1021,7 @@
           <a:p>
             <a:fld id="{17C7C8FB-1C37-4023-AA22-09D5A8E13DCF}" type="datetimeFigureOut">
               <a:rPr lang="zh-CN" altLang="en-US" smtClean="0"/>
-              <a:t>2018/12/12</a:t>
+              <a:t>2018/12/24</a:t>
             </a:fld>
             <a:endParaRPr lang="zh-CN" altLang="en-US"/>
           </a:p>
@@ -1191,7 +1191,7 @@
           <a:p>
             <a:fld id="{17C7C8FB-1C37-4023-AA22-09D5A8E13DCF}" type="datetimeFigureOut">
               <a:rPr lang="zh-CN" altLang="en-US" smtClean="0"/>
-              <a:t>2018/12/12</a:t>
+              <a:t>2018/12/24</a:t>
             </a:fld>
             <a:endParaRPr lang="zh-CN" altLang="en-US"/>
           </a:p>
@@ -1437,7 +1437,7 @@
           <a:p>
             <a:fld id="{17C7C8FB-1C37-4023-AA22-09D5A8E13DCF}" type="datetimeFigureOut">
               <a:rPr lang="zh-CN" altLang="en-US" smtClean="0"/>
-              <a:t>2018/12/12</a:t>
+              <a:t>2018/12/24</a:t>
             </a:fld>
             <a:endParaRPr lang="zh-CN" altLang="en-US"/>
           </a:p>
@@ -1725,7 +1725,7 @@
           <a:p>
             <a:fld id="{17C7C8FB-1C37-4023-AA22-09D5A8E13DCF}" type="datetimeFigureOut">
               <a:rPr lang="zh-CN" altLang="en-US" smtClean="0"/>
-              <a:t>2018/12/12</a:t>
+              <a:t>2018/12/24</a:t>
             </a:fld>
             <a:endParaRPr lang="zh-CN" altLang="en-US"/>
           </a:p>
@@ -2147,7 +2147,7 @@
           <a:p>
             <a:fld id="{17C7C8FB-1C37-4023-AA22-09D5A8E13DCF}" type="datetimeFigureOut">
               <a:rPr lang="zh-CN" altLang="en-US" smtClean="0"/>
-              <a:t>2018/12/12</a:t>
+              <a:t>2018/12/24</a:t>
             </a:fld>
             <a:endParaRPr lang="zh-CN" altLang="en-US"/>
           </a:p>
@@ -2265,7 +2265,7 @@
           <a:p>
             <a:fld id="{17C7C8FB-1C37-4023-AA22-09D5A8E13DCF}" type="datetimeFigureOut">
               <a:rPr lang="zh-CN" altLang="en-US" smtClean="0"/>
-              <a:t>2018/12/12</a:t>
+              <a:t>2018/12/24</a:t>
             </a:fld>
             <a:endParaRPr lang="zh-CN" altLang="en-US"/>
           </a:p>
@@ -2360,7 +2360,7 @@
           <a:p>
             <a:fld id="{17C7C8FB-1C37-4023-AA22-09D5A8E13DCF}" type="datetimeFigureOut">
               <a:rPr lang="zh-CN" altLang="en-US" smtClean="0"/>
-              <a:t>2018/12/12</a:t>
+              <a:t>2018/12/24</a:t>
             </a:fld>
             <a:endParaRPr lang="zh-CN" altLang="en-US"/>
           </a:p>
@@ -2637,7 +2637,7 @@
           <a:p>
             <a:fld id="{17C7C8FB-1C37-4023-AA22-09D5A8E13DCF}" type="datetimeFigureOut">
               <a:rPr lang="zh-CN" altLang="en-US" smtClean="0"/>
-              <a:t>2018/12/12</a:t>
+              <a:t>2018/12/24</a:t>
             </a:fld>
             <a:endParaRPr lang="zh-CN" altLang="en-US"/>
           </a:p>
@@ -2890,7 +2890,7 @@
           <a:p>
             <a:fld id="{17C7C8FB-1C37-4023-AA22-09D5A8E13DCF}" type="datetimeFigureOut">
               <a:rPr lang="zh-CN" altLang="en-US" smtClean="0"/>
-              <a:t>2018/12/12</a:t>
+              <a:t>2018/12/24</a:t>
             </a:fld>
             <a:endParaRPr lang="zh-CN" altLang="en-US"/>
           </a:p>
@@ -3103,7 +3103,7 @@
           <a:p>
             <a:fld id="{17C7C8FB-1C37-4023-AA22-09D5A8E13DCF}" type="datetimeFigureOut">
               <a:rPr lang="zh-CN" altLang="en-US" smtClean="0"/>
-              <a:t>2018/12/12</a:t>
+              <a:t>2018/12/24</a:t>
             </a:fld>
             <a:endParaRPr lang="zh-CN" altLang="en-US"/>
           </a:p>
@@ -3555,20 +3555,7 @@
                 <a:latin typeface="微软雅黑" pitchFamily="34" charset="-122"/>
                 <a:ea typeface="微软雅黑" pitchFamily="34" charset="-122"/>
               </a:rPr>
-              <a:t>讲 </a:t>
-            </a:r>
-            <a:r>
-              <a:rPr lang="zh-CN" altLang="en-US" sz="3200" b="1" dirty="0" smtClean="0">
-                <a:solidFill>
-                  <a:schemeClr val="tx1">
-                    <a:lumMod val="75000"/>
-                    <a:lumOff val="25000"/>
-                  </a:schemeClr>
-                </a:solidFill>
-                <a:latin typeface="微软雅黑" pitchFamily="34" charset="-122"/>
-                <a:ea typeface="微软雅黑" pitchFamily="34" charset="-122"/>
-              </a:rPr>
-              <a:t>函数（一）</a:t>
+              <a:t>讲 函数（一）</a:t>
             </a:r>
             <a:endParaRPr lang="zh-CN" altLang="en-US" b="1" dirty="0">
               <a:solidFill>
@@ -3808,46 +3795,7 @@
                 <a:latin typeface="微软雅黑" pitchFamily="34" charset="-122"/>
                 <a:ea typeface="微软雅黑" pitchFamily="34" charset="-122"/>
               </a:rPr>
-              <a:t>	c</a:t>
-            </a:r>
-            <a:r>
-              <a:rPr lang="en-US" altLang="zh-CN" sz="2400" dirty="0" smtClean="0">
-                <a:solidFill>
-                  <a:schemeClr val="tx1">
-                    <a:lumMod val="75000"/>
-                    <a:lumOff val="25000"/>
-                  </a:schemeClr>
-                </a:solidFill>
-                <a:latin typeface="微软雅黑" pitchFamily="34" charset="-122"/>
-                <a:ea typeface="微软雅黑" pitchFamily="34" charset="-122"/>
-              </a:rPr>
-              <a:t>eil();  </a:t>
-            </a:r>
-            <a:r>
-              <a:rPr lang="en-US" altLang="zh-CN" sz="2400" dirty="0" smtClean="0">
-                <a:solidFill>
-                  <a:schemeClr val="tx1">
-                    <a:lumMod val="75000"/>
-                    <a:lumOff val="25000"/>
-                  </a:schemeClr>
-                </a:solidFill>
-                <a:latin typeface="微软雅黑" pitchFamily="34" charset="-122"/>
-                <a:ea typeface="微软雅黑" pitchFamily="34" charset="-122"/>
-              </a:rPr>
-              <a:t>floor();  r</a:t>
-            </a:r>
-            <a:r>
-              <a:rPr lang="en-US" altLang="zh-CN" sz="2400" dirty="0" smtClean="0">
-                <a:solidFill>
-                  <a:schemeClr val="tx1">
-                    <a:lumMod val="75000"/>
-                    <a:lumOff val="25000"/>
-                  </a:schemeClr>
-                </a:solidFill>
-                <a:latin typeface="微软雅黑" pitchFamily="34" charset="-122"/>
-                <a:ea typeface="微软雅黑" pitchFamily="34" charset="-122"/>
-              </a:rPr>
-              <a:t>ound();</a:t>
+              <a:t>	ceil();  floor();  round();</a:t>
             </a:r>
           </a:p>
           <a:p>
@@ -3978,7 +3926,20 @@
                 <a:latin typeface="微软雅黑" pitchFamily="34" charset="-122"/>
                 <a:ea typeface="微软雅黑" pitchFamily="34" charset="-122"/>
               </a:rPr>
-              <a:t>	a</a:t>
+              <a:t>	abs</a:t>
+            </a:r>
+            <a:r>
+              <a:rPr lang="en-US" altLang="zh-CN" sz="2400" dirty="0">
+                <a:solidFill>
+                  <a:schemeClr val="tx1">
+                    <a:lumMod val="75000"/>
+                    <a:lumOff val="25000"/>
+                  </a:schemeClr>
+                </a:solidFill>
+                <a:latin typeface="微软雅黑" pitchFamily="34" charset="-122"/>
+                <a:ea typeface="微软雅黑" pitchFamily="34" charset="-122"/>
+              </a:rPr>
+              <a:t>(); </a:t>
             </a:r>
             <a:r>
               <a:rPr lang="en-US" altLang="zh-CN" sz="2400" dirty="0" smtClean="0">
@@ -3991,44 +3952,8 @@
                 <a:latin typeface="微软雅黑" pitchFamily="34" charset="-122"/>
                 <a:ea typeface="微软雅黑" pitchFamily="34" charset="-122"/>
               </a:rPr>
-              <a:t>bs</a:t>
-            </a:r>
-            <a:r>
-              <a:rPr lang="en-US" altLang="zh-CN" sz="2400" dirty="0">
-                <a:solidFill>
-                  <a:schemeClr val="tx1">
-                    <a:lumMod val="75000"/>
-                    <a:lumOff val="25000"/>
-                  </a:schemeClr>
-                </a:solidFill>
-                <a:latin typeface="微软雅黑" pitchFamily="34" charset="-122"/>
-                <a:ea typeface="微软雅黑" pitchFamily="34" charset="-122"/>
-              </a:rPr>
-              <a:t>(); </a:t>
-            </a:r>
-            <a:r>
-              <a:rPr lang="en-US" altLang="zh-CN" sz="2400" dirty="0" smtClean="0">
-                <a:solidFill>
-                  <a:schemeClr val="tx1">
-                    <a:lumMod val="75000"/>
-                    <a:lumOff val="25000"/>
-                  </a:schemeClr>
-                </a:solidFill>
-                <a:latin typeface="微软雅黑" pitchFamily="34" charset="-122"/>
-                <a:ea typeface="微软雅黑" pitchFamily="34" charset="-122"/>
-              </a:rPr>
               <a:t>mod()</a:t>
             </a:r>
-            <a:endParaRPr lang="en-US" altLang="zh-CN" sz="2400" dirty="0" smtClean="0">
-              <a:solidFill>
-                <a:schemeClr val="tx1">
-                  <a:lumMod val="75000"/>
-                  <a:lumOff val="25000"/>
-                </a:schemeClr>
-              </a:solidFill>
-              <a:latin typeface="微软雅黑" pitchFamily="34" charset="-122"/>
-              <a:ea typeface="微软雅黑" pitchFamily="34" charset="-122"/>
-            </a:endParaRPr>
           </a:p>
           <a:p>
             <a:pPr>
@@ -4073,20 +3998,7 @@
                 <a:latin typeface="微软雅黑" pitchFamily="34" charset="-122"/>
                 <a:ea typeface="微软雅黑" pitchFamily="34" charset="-122"/>
               </a:rPr>
-              <a:t>a</a:t>
-            </a:r>
-            <a:r>
-              <a:rPr lang="en-US" altLang="zh-CN" sz="2400" dirty="0" err="1" smtClean="0">
-                <a:solidFill>
-                  <a:schemeClr val="tx1">
-                    <a:lumMod val="75000"/>
-                    <a:lumOff val="25000"/>
-                  </a:schemeClr>
-                </a:solidFill>
-                <a:latin typeface="微软雅黑" pitchFamily="34" charset="-122"/>
-                <a:ea typeface="微软雅黑" pitchFamily="34" charset="-122"/>
-              </a:rPr>
-              <a:t>sin</a:t>
+              <a:t>asin</a:t>
             </a:r>
             <a:r>
               <a:rPr lang="en-US" altLang="zh-CN" sz="2400" dirty="0" smtClean="0">
@@ -4269,20 +4181,7 @@
                 <a:latin typeface="微软雅黑" pitchFamily="34" charset="-122"/>
                 <a:ea typeface="微软雅黑" pitchFamily="34" charset="-122"/>
               </a:rPr>
-              <a:t>	min();		</a:t>
-            </a:r>
-            <a:r>
-              <a:rPr lang="en-US" altLang="zh-CN" sz="2400" dirty="0" smtClean="0">
-                <a:solidFill>
-                  <a:schemeClr val="tx1">
-                    <a:lumMod val="75000"/>
-                    <a:lumOff val="25000"/>
-                  </a:schemeClr>
-                </a:solidFill>
-                <a:latin typeface="微软雅黑" pitchFamily="34" charset="-122"/>
-                <a:ea typeface="微软雅黑" pitchFamily="34" charset="-122"/>
-              </a:rPr>
-              <a:t>max();</a:t>
+              <a:t>	min();		max();</a:t>
             </a:r>
           </a:p>
           <a:p>
@@ -4630,20 +4529,7 @@
                 <a:latin typeface="微软雅黑" pitchFamily="34" charset="-122"/>
                 <a:ea typeface="微软雅黑" pitchFamily="34" charset="-122"/>
               </a:rPr>
-              <a:t>8</a:t>
-            </a:r>
-            <a:r>
-              <a:rPr lang="en-US" altLang="zh-CN" sz="2800" b="1" dirty="0" smtClean="0">
-                <a:solidFill>
-                  <a:schemeClr val="tx1">
-                    <a:lumMod val="75000"/>
-                    <a:lumOff val="25000"/>
-                  </a:schemeClr>
-                </a:solidFill>
-                <a:latin typeface="微软雅黑" pitchFamily="34" charset="-122"/>
-                <a:ea typeface="微软雅黑" pitchFamily="34" charset="-122"/>
-              </a:rPr>
-              <a:t>.</a:t>
+              <a:t>8.</a:t>
             </a:r>
             <a:r>
               <a:rPr lang="zh-CN" altLang="en-US" sz="2800" b="1" dirty="0" smtClean="0">
@@ -4735,8 +4621,31 @@
                 <a:latin typeface="微软雅黑" pitchFamily="34" charset="-122"/>
                 <a:ea typeface="微软雅黑" pitchFamily="34" charset="-122"/>
               </a:rPr>
-              <a:t>();</a:t>
-            </a:r>
+              <a:t>();		</a:t>
+            </a:r>
+            <a:r>
+              <a:rPr lang="zh-CN" altLang="en-US" sz="2400" dirty="0" smtClean="0">
+                <a:solidFill>
+                  <a:schemeClr val="tx1">
+                    <a:lumMod val="75000"/>
+                    <a:lumOff val="25000"/>
+                  </a:schemeClr>
+                </a:solidFill>
+                <a:latin typeface="微软雅黑" pitchFamily="34" charset="-122"/>
+                <a:ea typeface="微软雅黑" pitchFamily="34" charset="-122"/>
+              </a:rPr>
+              <a:t>是否是数字</a:t>
+            </a:r>
+            <a:endParaRPr lang="en-US" altLang="zh-CN" sz="2400" dirty="0" smtClean="0">
+              <a:solidFill>
+                <a:schemeClr val="tx1">
+                  <a:lumMod val="75000"/>
+                  <a:lumOff val="25000"/>
+                </a:schemeClr>
+              </a:solidFill>
+              <a:latin typeface="微软雅黑" pitchFamily="34" charset="-122"/>
+              <a:ea typeface="微软雅黑" pitchFamily="34" charset="-122"/>
+            </a:endParaRPr>
           </a:p>
           <a:p>
             <a:pPr>
@@ -4781,8 +4690,31 @@
                 <a:latin typeface="微软雅黑" pitchFamily="34" charset="-122"/>
                 <a:ea typeface="微软雅黑" pitchFamily="34" charset="-122"/>
               </a:rPr>
-              <a:t>();</a:t>
-            </a:r>
+              <a:t>();		</a:t>
+            </a:r>
+            <a:r>
+              <a:rPr lang="zh-CN" altLang="en-US" sz="2400" dirty="0" smtClean="0">
+                <a:solidFill>
+                  <a:schemeClr val="tx1">
+                    <a:lumMod val="75000"/>
+                    <a:lumOff val="25000"/>
+                  </a:schemeClr>
+                </a:solidFill>
+                <a:latin typeface="微软雅黑" pitchFamily="34" charset="-122"/>
+                <a:ea typeface="微软雅黑" pitchFamily="34" charset="-122"/>
+              </a:rPr>
+              <a:t>是否是字符串</a:t>
+            </a:r>
+            <a:endParaRPr lang="en-US" altLang="zh-CN" sz="2400" dirty="0" smtClean="0">
+              <a:solidFill>
+                <a:schemeClr val="tx1">
+                  <a:lumMod val="75000"/>
+                  <a:lumOff val="25000"/>
+                </a:schemeClr>
+              </a:solidFill>
+              <a:latin typeface="微软雅黑" pitchFamily="34" charset="-122"/>
+              <a:ea typeface="微软雅黑" pitchFamily="34" charset="-122"/>
+            </a:endParaRPr>
           </a:p>
           <a:p>
             <a:pPr>
@@ -4827,8 +4759,31 @@
                 <a:latin typeface="微软雅黑" pitchFamily="34" charset="-122"/>
                 <a:ea typeface="微软雅黑" pitchFamily="34" charset="-122"/>
               </a:rPr>
-              <a:t>();</a:t>
-            </a:r>
+              <a:t>();		</a:t>
+            </a:r>
+            <a:r>
+              <a:rPr lang="zh-CN" altLang="en-US" sz="2400" dirty="0" smtClean="0">
+                <a:solidFill>
+                  <a:schemeClr val="tx1">
+                    <a:lumMod val="75000"/>
+                    <a:lumOff val="25000"/>
+                  </a:schemeClr>
+                </a:solidFill>
+                <a:latin typeface="微软雅黑" pitchFamily="34" charset="-122"/>
+                <a:ea typeface="微软雅黑" pitchFamily="34" charset="-122"/>
+              </a:rPr>
+              <a:t>是否是颜色</a:t>
+            </a:r>
+            <a:endParaRPr lang="en-US" altLang="zh-CN" sz="2400" dirty="0" smtClean="0">
+              <a:solidFill>
+                <a:schemeClr val="tx1">
+                  <a:lumMod val="75000"/>
+                  <a:lumOff val="25000"/>
+                </a:schemeClr>
+              </a:solidFill>
+              <a:latin typeface="微软雅黑" pitchFamily="34" charset="-122"/>
+              <a:ea typeface="微软雅黑" pitchFamily="34" charset="-122"/>
+            </a:endParaRPr>
           </a:p>
           <a:p>
             <a:pPr>
@@ -4873,8 +4828,31 @@
                 <a:latin typeface="微软雅黑" pitchFamily="34" charset="-122"/>
                 <a:ea typeface="微软雅黑" pitchFamily="34" charset="-122"/>
               </a:rPr>
-              <a:t>();</a:t>
-            </a:r>
+              <a:t>();		</a:t>
+            </a:r>
+            <a:r>
+              <a:rPr lang="zh-CN" altLang="en-US" sz="2400" dirty="0" smtClean="0">
+                <a:solidFill>
+                  <a:schemeClr val="tx1">
+                    <a:lumMod val="75000"/>
+                    <a:lumOff val="25000"/>
+                  </a:schemeClr>
+                </a:solidFill>
+                <a:latin typeface="微软雅黑" pitchFamily="34" charset="-122"/>
+                <a:ea typeface="微软雅黑" pitchFamily="34" charset="-122"/>
+              </a:rPr>
+              <a:t>是否是关键字</a:t>
+            </a:r>
+            <a:endParaRPr lang="en-US" altLang="zh-CN" sz="2400" dirty="0" smtClean="0">
+              <a:solidFill>
+                <a:schemeClr val="tx1">
+                  <a:lumMod val="75000"/>
+                  <a:lumOff val="25000"/>
+                </a:schemeClr>
+              </a:solidFill>
+              <a:latin typeface="微软雅黑" pitchFamily="34" charset="-122"/>
+              <a:ea typeface="微软雅黑" pitchFamily="34" charset="-122"/>
+            </a:endParaRPr>
           </a:p>
           <a:p>
             <a:pPr>
@@ -4919,8 +4897,44 @@
                 <a:latin typeface="微软雅黑" pitchFamily="34" charset="-122"/>
                 <a:ea typeface="微软雅黑" pitchFamily="34" charset="-122"/>
               </a:rPr>
-              <a:t>();</a:t>
-            </a:r>
+              <a:t>();		</a:t>
+            </a:r>
+            <a:r>
+              <a:rPr lang="zh-CN" altLang="en-US" sz="2400" dirty="0" smtClean="0">
+                <a:solidFill>
+                  <a:schemeClr val="tx1">
+                    <a:lumMod val="75000"/>
+                    <a:lumOff val="25000"/>
+                  </a:schemeClr>
+                </a:solidFill>
+                <a:latin typeface="微软雅黑" pitchFamily="34" charset="-122"/>
+                <a:ea typeface="微软雅黑" pitchFamily="34" charset="-122"/>
+              </a:rPr>
+              <a:t>是否是</a:t>
+            </a:r>
+            <a:r>
+              <a:rPr lang="en-US" altLang="zh-CN" sz="2400" dirty="0" err="1" smtClean="0">
+                <a:solidFill>
+                  <a:schemeClr val="tx1">
+                    <a:lumMod val="75000"/>
+                    <a:lumOff val="25000"/>
+                  </a:schemeClr>
+                </a:solidFill>
+                <a:latin typeface="微软雅黑" pitchFamily="34" charset="-122"/>
+                <a:ea typeface="微软雅黑" pitchFamily="34" charset="-122"/>
+              </a:rPr>
+              <a:t>url</a:t>
+            </a:r>
+            <a:endParaRPr lang="en-US" altLang="zh-CN" sz="2400" dirty="0" smtClean="0">
+              <a:solidFill>
+                <a:schemeClr val="tx1">
+                  <a:lumMod val="75000"/>
+                  <a:lumOff val="25000"/>
+                </a:schemeClr>
+              </a:solidFill>
+              <a:latin typeface="微软雅黑" pitchFamily="34" charset="-122"/>
+              <a:ea typeface="微软雅黑" pitchFamily="34" charset="-122"/>
+            </a:endParaRPr>
           </a:p>
           <a:p>
             <a:pPr>
@@ -4965,8 +4979,31 @@
                 <a:latin typeface="微软雅黑" pitchFamily="34" charset="-122"/>
                 <a:ea typeface="微软雅黑" pitchFamily="34" charset="-122"/>
               </a:rPr>
-              <a:t>();</a:t>
-            </a:r>
+              <a:t>();		</a:t>
+            </a:r>
+            <a:r>
+              <a:rPr lang="zh-CN" altLang="en-US" sz="2400" dirty="0" smtClean="0">
+                <a:solidFill>
+                  <a:schemeClr val="tx1">
+                    <a:lumMod val="75000"/>
+                    <a:lumOff val="25000"/>
+                  </a:schemeClr>
+                </a:solidFill>
+                <a:latin typeface="微软雅黑" pitchFamily="34" charset="-122"/>
+                <a:ea typeface="微软雅黑" pitchFamily="34" charset="-122"/>
+              </a:rPr>
+              <a:t>是否是像素</a:t>
+            </a:r>
+            <a:endParaRPr lang="en-US" altLang="zh-CN" sz="2400" dirty="0" smtClean="0">
+              <a:solidFill>
+                <a:schemeClr val="tx1">
+                  <a:lumMod val="75000"/>
+                  <a:lumOff val="25000"/>
+                </a:schemeClr>
+              </a:solidFill>
+              <a:latin typeface="微软雅黑" pitchFamily="34" charset="-122"/>
+              <a:ea typeface="微软雅黑" pitchFamily="34" charset="-122"/>
+            </a:endParaRPr>
           </a:p>
           <a:p>
             <a:pPr>
@@ -5011,8 +5048,44 @@
                 <a:latin typeface="微软雅黑" pitchFamily="34" charset="-122"/>
                 <a:ea typeface="微软雅黑" pitchFamily="34" charset="-122"/>
               </a:rPr>
-              <a:t>();</a:t>
-            </a:r>
+              <a:t>();		</a:t>
+            </a:r>
+            <a:r>
+              <a:rPr lang="zh-CN" altLang="en-US" sz="2400" dirty="0" smtClean="0">
+                <a:solidFill>
+                  <a:schemeClr val="tx1">
+                    <a:lumMod val="75000"/>
+                    <a:lumOff val="25000"/>
+                  </a:schemeClr>
+                </a:solidFill>
+                <a:latin typeface="微软雅黑" pitchFamily="34" charset="-122"/>
+                <a:ea typeface="微软雅黑" pitchFamily="34" charset="-122"/>
+              </a:rPr>
+              <a:t>是否是</a:t>
+            </a:r>
+            <a:r>
+              <a:rPr lang="en-US" altLang="zh-CN" sz="2400" dirty="0" err="1" smtClean="0">
+                <a:solidFill>
+                  <a:schemeClr val="tx1">
+                    <a:lumMod val="75000"/>
+                    <a:lumOff val="25000"/>
+                  </a:schemeClr>
+                </a:solidFill>
+                <a:latin typeface="微软雅黑" pitchFamily="34" charset="-122"/>
+                <a:ea typeface="微软雅黑" pitchFamily="34" charset="-122"/>
+              </a:rPr>
+              <a:t>em</a:t>
+            </a:r>
+            <a:endParaRPr lang="en-US" altLang="zh-CN" sz="2400" dirty="0" smtClean="0">
+              <a:solidFill>
+                <a:schemeClr val="tx1">
+                  <a:lumMod val="75000"/>
+                  <a:lumOff val="25000"/>
+                </a:schemeClr>
+              </a:solidFill>
+              <a:latin typeface="微软雅黑" pitchFamily="34" charset="-122"/>
+              <a:ea typeface="微软雅黑" pitchFamily="34" charset="-122"/>
+            </a:endParaRPr>
           </a:p>
           <a:p>
             <a:pPr>
@@ -5057,8 +5130,31 @@
                 <a:latin typeface="微软雅黑" pitchFamily="34" charset="-122"/>
                 <a:ea typeface="微软雅黑" pitchFamily="34" charset="-122"/>
               </a:rPr>
-              <a:t>();</a:t>
-            </a:r>
+              <a:t>();	</a:t>
+            </a:r>
+            <a:r>
+              <a:rPr lang="zh-CN" altLang="en-US" sz="2400" dirty="0" smtClean="0">
+                <a:solidFill>
+                  <a:schemeClr val="tx1">
+                    <a:lumMod val="75000"/>
+                    <a:lumOff val="25000"/>
+                  </a:schemeClr>
+                </a:solidFill>
+                <a:latin typeface="微软雅黑" pitchFamily="34" charset="-122"/>
+                <a:ea typeface="微软雅黑" pitchFamily="34" charset="-122"/>
+              </a:rPr>
+              <a:t>是否是百分比</a:t>
+            </a:r>
+            <a:endParaRPr lang="en-US" altLang="zh-CN" sz="2400" dirty="0" smtClean="0">
+              <a:solidFill>
+                <a:schemeClr val="tx1">
+                  <a:lumMod val="75000"/>
+                  <a:lumOff val="25000"/>
+                </a:schemeClr>
+              </a:solidFill>
+              <a:latin typeface="微软雅黑" pitchFamily="34" charset="-122"/>
+              <a:ea typeface="微软雅黑" pitchFamily="34" charset="-122"/>
+            </a:endParaRPr>
           </a:p>
           <a:p>
             <a:pPr>
@@ -5103,8 +5199,31 @@
                 <a:latin typeface="微软雅黑" pitchFamily="34" charset="-122"/>
                 <a:ea typeface="微软雅黑" pitchFamily="34" charset="-122"/>
               </a:rPr>
-              <a:t>();</a:t>
-            </a:r>
+              <a:t>();		</a:t>
+            </a:r>
+            <a:r>
+              <a:rPr lang="zh-CN" altLang="en-US" sz="2400" dirty="0" smtClean="0">
+                <a:solidFill>
+                  <a:schemeClr val="tx1">
+                    <a:lumMod val="75000"/>
+                    <a:lumOff val="25000"/>
+                  </a:schemeClr>
+                </a:solidFill>
+                <a:latin typeface="微软雅黑" pitchFamily="34" charset="-122"/>
+                <a:ea typeface="微软雅黑" pitchFamily="34" charset="-122"/>
+              </a:rPr>
+              <a:t>是否是单位</a:t>
+            </a:r>
+            <a:endParaRPr lang="en-US" altLang="zh-CN" sz="2400" dirty="0" smtClean="0">
+              <a:solidFill>
+                <a:schemeClr val="tx1">
+                  <a:lumMod val="75000"/>
+                  <a:lumOff val="25000"/>
+                </a:schemeClr>
+              </a:solidFill>
+              <a:latin typeface="微软雅黑" pitchFamily="34" charset="-122"/>
+              <a:ea typeface="微软雅黑" pitchFamily="34" charset="-122"/>
+            </a:endParaRPr>
           </a:p>
           <a:p>
             <a:pPr>
@@ -5149,7 +5268,7 @@
                 <a:latin typeface="微软雅黑" pitchFamily="34" charset="-122"/>
                 <a:ea typeface="微软雅黑" pitchFamily="34" charset="-122"/>
               </a:rPr>
-              <a:t>();</a:t>
+              <a:t>();	</a:t>
             </a:r>
             <a:r>
               <a:rPr lang="en-US" altLang="zh-CN" sz="2400" dirty="0" smtClean="0">
@@ -5164,6 +5283,29 @@
               </a:rPr>
               <a:t>	</a:t>
             </a:r>
+            <a:r>
+              <a:rPr lang="zh-CN" altLang="en-US" sz="2400" dirty="0" smtClean="0">
+                <a:solidFill>
+                  <a:schemeClr val="tx1">
+                    <a:lumMod val="75000"/>
+                    <a:lumOff val="25000"/>
+                  </a:schemeClr>
+                </a:solidFill>
+                <a:latin typeface="微软雅黑" pitchFamily="34" charset="-122"/>
+                <a:ea typeface="微软雅黑" pitchFamily="34" charset="-122"/>
+              </a:rPr>
+              <a:t>是否是样式集合</a:t>
+            </a:r>
+            <a:endParaRPr lang="en-US" altLang="zh-CN" sz="2400" dirty="0" smtClean="0">
+              <a:solidFill>
+                <a:schemeClr val="tx1">
+                  <a:lumMod val="75000"/>
+                  <a:lumOff val="25000"/>
+                </a:schemeClr>
+              </a:solidFill>
+              <a:latin typeface="微软雅黑" pitchFamily="34" charset="-122"/>
+              <a:ea typeface="微软雅黑" pitchFamily="34" charset="-122"/>
+            </a:endParaRPr>
           </a:p>
         </p:txBody>
       </p:sp>
@@ -5231,6 +5373,16 @@
           <a:prstGeom prst="rect">
             <a:avLst/>
           </a:prstGeom>
+          <a:ln>
+            <a:noFill/>
+          </a:ln>
+          <a:effectLst>
+            <a:outerShdw blurRad="292100" dist="139700" dir="2700000" algn="tl" rotWithShape="0">
+              <a:srgbClr val="333333">
+                <a:alpha val="65000"/>
+              </a:srgbClr>
+            </a:outerShdw>
+          </a:effectLst>
         </p:spPr>
       </p:pic>
       <p:pic>
@@ -5261,6 +5413,16 @@
           <a:prstGeom prst="rect">
             <a:avLst/>
           </a:prstGeom>
+          <a:ln>
+            <a:noFill/>
+          </a:ln>
+          <a:effectLst>
+            <a:outerShdw blurRad="292100" dist="139700" dir="2700000" algn="tl" rotWithShape="0">
+              <a:srgbClr val="333333">
+                <a:alpha val="65000"/>
+              </a:srgbClr>
+            </a:outerShdw>
+          </a:effectLst>
         </p:spPr>
       </p:pic>
       <p:pic>
@@ -5291,6 +5453,16 @@
           <a:prstGeom prst="rect">
             <a:avLst/>
           </a:prstGeom>
+          <a:ln>
+            <a:noFill/>
+          </a:ln>
+          <a:effectLst>
+            <a:outerShdw blurRad="292100" dist="139700" dir="2700000" algn="tl" rotWithShape="0">
+              <a:srgbClr val="333333">
+                <a:alpha val="65000"/>
+              </a:srgbClr>
+            </a:outerShdw>
+          </a:effectLst>
         </p:spPr>
       </p:pic>
       <p:pic>
@@ -5321,6 +5493,16 @@
           <a:prstGeom prst="rect">
             <a:avLst/>
           </a:prstGeom>
+          <a:ln>
+            <a:noFill/>
+          </a:ln>
+          <a:effectLst>
+            <a:outerShdw blurRad="292100" dist="139700" dir="2700000" algn="tl" rotWithShape="0">
+              <a:srgbClr val="333333">
+                <a:alpha val="65000"/>
+              </a:srgbClr>
+            </a:outerShdw>
+          </a:effectLst>
         </p:spPr>
       </p:pic>
       <p:pic>
@@ -5351,6 +5533,16 @@
           <a:prstGeom prst="rect">
             <a:avLst/>
           </a:prstGeom>
+          <a:ln>
+            <a:noFill/>
+          </a:ln>
+          <a:effectLst>
+            <a:outerShdw blurRad="292100" dist="139700" dir="2700000" algn="tl" rotWithShape="0">
+              <a:srgbClr val="333333">
+                <a:alpha val="65000"/>
+              </a:srgbClr>
+            </a:outerShdw>
+          </a:effectLst>
         </p:spPr>
       </p:pic>
       <p:pic>
@@ -5381,6 +5573,16 @@
           <a:prstGeom prst="rect">
             <a:avLst/>
           </a:prstGeom>
+          <a:ln>
+            <a:noFill/>
+          </a:ln>
+          <a:effectLst>
+            <a:outerShdw blurRad="292100" dist="139700" dir="2700000" algn="tl" rotWithShape="0">
+              <a:srgbClr val="333333">
+                <a:alpha val="65000"/>
+              </a:srgbClr>
+            </a:outerShdw>
+          </a:effectLst>
         </p:spPr>
       </p:pic>
       <p:sp>
@@ -6242,20 +6444,7 @@
                 <a:latin typeface="微软雅黑" pitchFamily="34" charset="-122"/>
                 <a:ea typeface="微软雅黑" pitchFamily="34" charset="-122"/>
               </a:rPr>
-              <a:t>1.</a:t>
-            </a:r>
-            <a:r>
-              <a:rPr lang="en-US" altLang="zh-CN" sz="2800" b="1" dirty="0" smtClean="0">
-                <a:solidFill>
-                  <a:schemeClr val="tx1">
-                    <a:lumMod val="75000"/>
-                    <a:lumOff val="25000"/>
-                  </a:schemeClr>
-                </a:solidFill>
-                <a:latin typeface="微软雅黑" pitchFamily="34" charset="-122"/>
-                <a:ea typeface="微软雅黑" pitchFamily="34" charset="-122"/>
-              </a:rPr>
-              <a:t>Less</a:t>
+              <a:t>1.Less</a:t>
             </a:r>
             <a:r>
               <a:rPr lang="zh-CN" altLang="en-US" sz="2800" b="1" dirty="0" smtClean="0">
@@ -6451,7 +6640,20 @@
                 <a:latin typeface="微软雅黑" pitchFamily="34" charset="-122"/>
                 <a:ea typeface="微软雅黑" pitchFamily="34" charset="-122"/>
               </a:rPr>
-              <a:t>为我们的开发带来极大的便利！</a:t>
+              <a:t>为开发</a:t>
+            </a:r>
+            <a:r>
+              <a:rPr lang="zh-CN" altLang="en-US" sz="2400" dirty="0" smtClean="0">
+                <a:solidFill>
+                  <a:schemeClr val="tx1">
+                    <a:lumMod val="75000"/>
+                    <a:lumOff val="25000"/>
+                  </a:schemeClr>
+                </a:solidFill>
+                <a:latin typeface="微软雅黑" pitchFamily="34" charset="-122"/>
+                <a:ea typeface="微软雅黑" pitchFamily="34" charset="-122"/>
+              </a:rPr>
+              <a:t>带来极大的便利！</a:t>
             </a:r>
             <a:endParaRPr lang="en-US" altLang="zh-CN" sz="2400" b="1" dirty="0" smtClean="0">
               <a:solidFill>
@@ -6616,20 +6818,7 @@
                 <a:latin typeface="微软雅黑" pitchFamily="34" charset="-122"/>
                 <a:ea typeface="微软雅黑" pitchFamily="34" charset="-122"/>
               </a:rPr>
-              <a:t>2</a:t>
-            </a:r>
-            <a:r>
-              <a:rPr lang="en-US" altLang="zh-CN" sz="2800" b="1" dirty="0" smtClean="0">
-                <a:solidFill>
-                  <a:schemeClr val="tx1">
-                    <a:lumMod val="75000"/>
-                    <a:lumOff val="25000"/>
-                  </a:schemeClr>
-                </a:solidFill>
-                <a:latin typeface="微软雅黑" pitchFamily="34" charset="-122"/>
-                <a:ea typeface="微软雅黑" pitchFamily="34" charset="-122"/>
-              </a:rPr>
-              <a:t>.</a:t>
+              <a:t>2.</a:t>
             </a:r>
             <a:r>
               <a:rPr lang="zh-CN" altLang="en-US" sz="2800" b="1" dirty="0" smtClean="0">
@@ -7255,7 +7444,33 @@
                 <a:latin typeface="微软雅黑" pitchFamily="34" charset="-122"/>
                 <a:ea typeface="微软雅黑" pitchFamily="34" charset="-122"/>
               </a:rPr>
-              <a:t>可以添加取或删除参数中的单位，</a:t>
+              <a:t>可以</a:t>
+            </a:r>
+            <a:r>
+              <a:rPr lang="zh-CN" altLang="en-US" sz="2400" dirty="0" smtClean="0">
+                <a:solidFill>
+                  <a:schemeClr val="tx1">
+                    <a:lumMod val="75000"/>
+                    <a:lumOff val="25000"/>
+                  </a:schemeClr>
+                </a:solidFill>
+                <a:latin typeface="微软雅黑" pitchFamily="34" charset="-122"/>
+                <a:ea typeface="微软雅黑" pitchFamily="34" charset="-122"/>
+              </a:rPr>
+              <a:t>添加或</a:t>
+            </a:r>
+            <a:r>
+              <a:rPr lang="zh-CN" altLang="en-US" sz="2400" dirty="0" smtClean="0">
+                <a:solidFill>
+                  <a:schemeClr val="tx1">
+                    <a:lumMod val="75000"/>
+                    <a:lumOff val="25000"/>
+                  </a:schemeClr>
+                </a:solidFill>
+                <a:latin typeface="微软雅黑" pitchFamily="34" charset="-122"/>
+                <a:ea typeface="微软雅黑" pitchFamily="34" charset="-122"/>
+              </a:rPr>
+              <a:t>删除参数中的单位，</a:t>
             </a:r>
             <a:r>
               <a:rPr lang="en-US" altLang="zh-CN" sz="2400" b="1" dirty="0" smtClean="0">
@@ -7431,6 +7646,58 @@
           </a:p>
         </p:txBody>
       </p:sp>
+      <p:sp>
+        <p:nvSpPr>
+          <p:cNvPr id="7" name="圆角矩形标注 6"/>
+          <p:cNvSpPr/>
+          <p:nvPr/>
+        </p:nvSpPr>
+        <p:spPr>
+          <a:xfrm>
+            <a:off x="2123728" y="4077072"/>
+            <a:ext cx="2702779" cy="432048"/>
+          </a:xfrm>
+          <a:prstGeom prst="wedgeRoundRectCallout">
+            <a:avLst>
+              <a:gd name="adj1" fmla="val 15840"/>
+              <a:gd name="adj2" fmla="val -84022"/>
+              <a:gd name="adj3" fmla="val 16667"/>
+            </a:avLst>
+          </a:prstGeom>
+        </p:spPr>
+        <p:style>
+          <a:lnRef idx="2">
+            <a:schemeClr val="accent5"/>
+          </a:lnRef>
+          <a:fillRef idx="1">
+            <a:schemeClr val="lt1"/>
+          </a:fillRef>
+          <a:effectRef idx="0">
+            <a:schemeClr val="accent5"/>
+          </a:effectRef>
+          <a:fontRef idx="minor">
+            <a:schemeClr val="dk1"/>
+          </a:fontRef>
+        </p:style>
+        <p:txBody>
+          <a:bodyPr rtlCol="0" anchor="ctr"/>
+          <a:lstStyle/>
+          <a:p>
+            <a:pPr algn="ctr"/>
+            <a:r>
+              <a:rPr lang="zh-CN" altLang="en-US" dirty="0" smtClean="0">
+                <a:latin typeface="微软雅黑" pitchFamily="34" charset="-122"/>
+                <a:ea typeface="微软雅黑" pitchFamily="34" charset="-122"/>
+              </a:rPr>
+              <a:t>不携带单位，无法转化</a:t>
+            </a:r>
+            <a:endParaRPr lang="zh-CN" altLang="en-US" dirty="0">
+              <a:latin typeface="微软雅黑" pitchFamily="34" charset="-122"/>
+              <a:ea typeface="微软雅黑" pitchFamily="34" charset="-122"/>
+            </a:endParaRPr>
+          </a:p>
+        </p:txBody>
+      </p:sp>
     </p:spTree>
     <p:extLst>
       <p:ext uri="{BB962C8B-B14F-4D97-AF65-F5344CB8AC3E}">
@@ -7501,20 +7768,7 @@
                 <a:latin typeface="微软雅黑" pitchFamily="34" charset="-122"/>
                 <a:ea typeface="微软雅黑" pitchFamily="34" charset="-122"/>
               </a:rPr>
-              <a:t>4</a:t>
-            </a:r>
-            <a:r>
-              <a:rPr lang="en-US" altLang="zh-CN" sz="2800" b="1" dirty="0" smtClean="0">
-                <a:solidFill>
-                  <a:schemeClr val="tx1">
-                    <a:lumMod val="75000"/>
-                    <a:lumOff val="25000"/>
-                  </a:schemeClr>
-                </a:solidFill>
-                <a:latin typeface="微软雅黑" pitchFamily="34" charset="-122"/>
-                <a:ea typeface="微软雅黑" pitchFamily="34" charset="-122"/>
-              </a:rPr>
-              <a:t>.if</a:t>
+              <a:t>4.if</a:t>
             </a:r>
             <a:endParaRPr lang="zh-CN" altLang="en-US" sz="2800" b="1" dirty="0">
               <a:solidFill>
@@ -7857,20 +8111,7 @@
                 <a:latin typeface="微软雅黑" pitchFamily="34" charset="-122"/>
                 <a:ea typeface="微软雅黑" pitchFamily="34" charset="-122"/>
               </a:rPr>
-              <a:t>…</a:t>
-            </a:r>
-            <a:r>
-              <a:rPr lang="en-US" altLang="zh-CN" sz="2400" b="1" dirty="0" smtClean="0">
-                <a:solidFill>
-                  <a:schemeClr val="tx1">
-                    <a:lumMod val="75000"/>
-                    <a:lumOff val="25000"/>
-                  </a:schemeClr>
-                </a:solidFill>
-                <a:latin typeface="微软雅黑" pitchFamily="34" charset="-122"/>
-                <a:ea typeface="微软雅黑" pitchFamily="34" charset="-122"/>
-              </a:rPr>
-              <a:t>)</a:t>
+              <a:t>…)</a:t>
             </a:r>
           </a:p>
           <a:p>
@@ -7903,7 +8144,33 @@
                 <a:latin typeface="微软雅黑" pitchFamily="34" charset="-122"/>
                 <a:ea typeface="微软雅黑" pitchFamily="34" charset="-122"/>
               </a:rPr>
-              <a:t>个字符串是</a:t>
+              <a:t>个</a:t>
+            </a:r>
+            <a:r>
+              <a:rPr lang="zh-CN" altLang="en-US" sz="2400" dirty="0">
+                <a:solidFill>
+                  <a:schemeClr val="tx1">
+                    <a:lumMod val="75000"/>
+                    <a:lumOff val="25000"/>
+                  </a:schemeClr>
+                </a:solidFill>
+                <a:latin typeface="微软雅黑" pitchFamily="34" charset="-122"/>
+                <a:ea typeface="微软雅黑" pitchFamily="34" charset="-122"/>
+              </a:rPr>
+              <a:t>参数</a:t>
+            </a:r>
+            <a:r>
+              <a:rPr lang="zh-CN" altLang="en-US" sz="2400" dirty="0" smtClean="0">
+                <a:solidFill>
+                  <a:schemeClr val="tx1">
+                    <a:lumMod val="75000"/>
+                    <a:lumOff val="25000"/>
+                  </a:schemeClr>
+                </a:solidFill>
+                <a:latin typeface="微软雅黑" pitchFamily="34" charset="-122"/>
+                <a:ea typeface="微软雅黑" pitchFamily="34" charset="-122"/>
+              </a:rPr>
+              <a:t>是</a:t>
             </a:r>
             <a:r>
               <a:rPr lang="zh-CN" altLang="en-US" sz="2400" dirty="0" smtClean="0">
@@ -8591,20 +8858,7 @@
                 <a:latin typeface="微软雅黑" pitchFamily="34" charset="-122"/>
                 <a:ea typeface="微软雅黑" pitchFamily="34" charset="-122"/>
               </a:rPr>
-              <a:t>e()</a:t>
-            </a:r>
-            <a:r>
-              <a:rPr lang="en-US" altLang="zh-CN" sz="2400" b="1" dirty="0" smtClean="0">
-                <a:solidFill>
-                  <a:schemeClr val="tx1">
-                    <a:lumMod val="75000"/>
-                    <a:lumOff val="25000"/>
-                  </a:schemeClr>
-                </a:solidFill>
-                <a:latin typeface="微软雅黑" pitchFamily="34" charset="-122"/>
-                <a:ea typeface="微软雅黑" pitchFamily="34" charset="-122"/>
-              </a:rPr>
-              <a:t>		</a:t>
+              <a:t>e()		</a:t>
             </a:r>
             <a:r>
               <a:rPr lang="zh-CN" altLang="en-US" sz="2400" dirty="0" smtClean="0">
@@ -8809,6 +9063,16 @@
           <a:prstGeom prst="rect">
             <a:avLst/>
           </a:prstGeom>
+          <a:ln>
+            <a:noFill/>
+          </a:ln>
+          <a:effectLst>
+            <a:outerShdw blurRad="292100" dist="139700" dir="2700000" algn="tl" rotWithShape="0">
+              <a:srgbClr val="333333">
+                <a:alpha val="65000"/>
+              </a:srgbClr>
+            </a:outerShdw>
+          </a:effectLst>
         </p:spPr>
       </p:pic>
       <p:pic>
@@ -8987,6 +9251,110 @@
           </a:p>
         </p:txBody>
       </p:sp>
+      <p:sp>
+        <p:nvSpPr>
+          <p:cNvPr id="10" name="圆角矩形标注 9"/>
+          <p:cNvSpPr/>
+          <p:nvPr/>
+        </p:nvSpPr>
+        <p:spPr>
+          <a:xfrm>
+            <a:off x="5165189" y="5229132"/>
+            <a:ext cx="1567051" cy="432048"/>
+          </a:xfrm>
+          <a:prstGeom prst="wedgeRoundRectCallout">
+            <a:avLst>
+              <a:gd name="adj1" fmla="val -21046"/>
+              <a:gd name="adj2" fmla="val -77511"/>
+              <a:gd name="adj3" fmla="val 16667"/>
+            </a:avLst>
+          </a:prstGeom>
+        </p:spPr>
+        <p:style>
+          <a:lnRef idx="2">
+            <a:schemeClr val="accent5"/>
+          </a:lnRef>
+          <a:fillRef idx="1">
+            <a:schemeClr val="lt1"/>
+          </a:fillRef>
+          <a:effectRef idx="0">
+            <a:schemeClr val="accent5"/>
+          </a:effectRef>
+          <a:fontRef idx="minor">
+            <a:schemeClr val="dk1"/>
+          </a:fontRef>
+        </p:style>
+        <p:txBody>
+          <a:bodyPr rtlCol="0" anchor="ctr"/>
+          <a:lstStyle/>
+          <a:p>
+            <a:pPr algn="ctr"/>
+            <a:r>
+              <a:rPr lang="zh-CN" altLang="en-US" dirty="0" smtClean="0">
+                <a:latin typeface="微软雅黑" pitchFamily="34" charset="-122"/>
+                <a:ea typeface="微软雅黑" pitchFamily="34" charset="-122"/>
+              </a:rPr>
+              <a:t>替换颜色</a:t>
+            </a:r>
+            <a:endParaRPr lang="zh-CN" altLang="en-US" dirty="0">
+              <a:latin typeface="微软雅黑" pitchFamily="34" charset="-122"/>
+              <a:ea typeface="微软雅黑" pitchFamily="34" charset="-122"/>
+            </a:endParaRPr>
+          </a:p>
+        </p:txBody>
+      </p:sp>
+      <p:sp>
+        <p:nvSpPr>
+          <p:cNvPr id="11" name="圆角矩形标注 10"/>
+          <p:cNvSpPr/>
+          <p:nvPr/>
+        </p:nvSpPr>
+        <p:spPr>
+          <a:xfrm>
+            <a:off x="5553033" y="3356992"/>
+            <a:ext cx="1567051" cy="432048"/>
+          </a:xfrm>
+          <a:prstGeom prst="wedgeRoundRectCallout">
+            <a:avLst>
+              <a:gd name="adj1" fmla="val -21046"/>
+              <a:gd name="adj2" fmla="val -77511"/>
+              <a:gd name="adj3" fmla="val 16667"/>
+            </a:avLst>
+          </a:prstGeom>
+        </p:spPr>
+        <p:style>
+          <a:lnRef idx="2">
+            <a:schemeClr val="accent5"/>
+          </a:lnRef>
+          <a:fillRef idx="1">
+            <a:schemeClr val="lt1"/>
+          </a:fillRef>
+          <a:effectRef idx="0">
+            <a:schemeClr val="accent5"/>
+          </a:effectRef>
+          <a:fontRef idx="minor">
+            <a:schemeClr val="dk1"/>
+          </a:fontRef>
+        </p:style>
+        <p:txBody>
+          <a:bodyPr rtlCol="0" anchor="ctr"/>
+          <a:lstStyle/>
+          <a:p>
+            <a:pPr algn="ctr"/>
+            <a:r>
+              <a:rPr lang="zh-CN" altLang="en-US" dirty="0" smtClean="0">
+                <a:latin typeface="微软雅黑" pitchFamily="34" charset="-122"/>
+                <a:ea typeface="微软雅黑" pitchFamily="34" charset="-122"/>
+              </a:rPr>
+              <a:t>未进行编译</a:t>
+            </a:r>
+            <a:endParaRPr lang="zh-CN" altLang="en-US" dirty="0">
+              <a:latin typeface="微软雅黑" pitchFamily="34" charset="-122"/>
+              <a:ea typeface="微软雅黑" pitchFamily="34" charset="-122"/>
+            </a:endParaRPr>
+          </a:p>
+        </p:txBody>
+      </p:sp>
     </p:spTree>
     <p:extLst>
       <p:ext uri="{BB962C8B-B14F-4D97-AF65-F5344CB8AC3E}">
@@ -9055,20 +9423,7 @@
                 <a:latin typeface="微软雅黑" pitchFamily="34" charset="-122"/>
                 <a:ea typeface="微软雅黑" pitchFamily="34" charset="-122"/>
               </a:rPr>
-              <a:t>6</a:t>
-            </a:r>
-            <a:r>
-              <a:rPr lang="en-US" altLang="zh-CN" sz="2800" b="1" dirty="0" smtClean="0">
-                <a:solidFill>
-                  <a:schemeClr val="tx1">
-                    <a:lumMod val="75000"/>
-                    <a:lumOff val="25000"/>
-                  </a:schemeClr>
-                </a:solidFill>
-                <a:latin typeface="微软雅黑" pitchFamily="34" charset="-122"/>
-                <a:ea typeface="微软雅黑" pitchFamily="34" charset="-122"/>
-              </a:rPr>
-              <a:t>.</a:t>
+              <a:t>6.</a:t>
             </a:r>
             <a:r>
               <a:rPr lang="zh-CN" altLang="en-US" sz="2800" b="1" dirty="0" smtClean="0">
@@ -9201,8 +9556,8 @@
         </p:nvSpPr>
         <p:spPr>
           <a:xfrm>
-            <a:off x="3086185" y="3636428"/>
-            <a:ext cx="3672408" cy="878104"/>
+            <a:off x="3086184" y="3636428"/>
+            <a:ext cx="4006096" cy="878104"/>
           </a:xfrm>
           <a:prstGeom prst="wedgeRoundRectCallout">
             <a:avLst>
@@ -9254,21 +9609,21 @@
                 <a:latin typeface="微软雅黑" pitchFamily="34" charset="-122"/>
                 <a:ea typeface="微软雅黑" pitchFamily="34" charset="-122"/>
               </a:rPr>
-              <a:t>length</a:t>
-            </a:r>
-            <a:r>
-              <a:rPr lang="en-US" altLang="zh-CN" dirty="0" smtClean="0">
-                <a:latin typeface="微软雅黑" pitchFamily="34" charset="-122"/>
-                <a:ea typeface="微软雅黑" pitchFamily="34" charset="-122"/>
-              </a:rPr>
-              <a:t>()</a:t>
+              <a:t>length()</a:t>
             </a:r>
             <a:r>
               <a:rPr lang="zh-CN" altLang="en-US" dirty="0" smtClean="0">
                 <a:latin typeface="微软雅黑" pitchFamily="34" charset="-122"/>
                 <a:ea typeface="微软雅黑" pitchFamily="34" charset="-122"/>
               </a:rPr>
-              <a:t>函数的作用</a:t>
+              <a:t>函数的</a:t>
+            </a:r>
+            <a:r>
+              <a:rPr lang="zh-CN" altLang="en-US" dirty="0" smtClean="0">
+                <a:latin typeface="微软雅黑" pitchFamily="34" charset="-122"/>
+                <a:ea typeface="微软雅黑" pitchFamily="34" charset="-122"/>
+              </a:rPr>
+              <a:t>作用：获取列表长度</a:t>
             </a:r>
             <a:endParaRPr lang="zh-CN" altLang="en-US" dirty="0">
               <a:latin typeface="微软雅黑" pitchFamily="34" charset="-122"/>
@@ -9949,7 +10304,7 @@
   <a:extraClrSchemeLst/>
   <a:extLst>
     <a:ext uri="{05A4C25C-085E-4340-85A3-A5531E510DB2}">
-      <thm15:themeFamily xmlns="" xmlns:thm15="http://schemas.microsoft.com/office/thememl/2012/main" name="Office Theme" id="{62F939B6-93AF-4DB8-9C6B-D6C7DFDC589F}" vid="{4A3C46E8-61CC-4603-A589-7422A47A8E4A}"/>
+      <thm15:themeFamily xmlns:thm15="http://schemas.microsoft.com/office/thememl/2012/main" xmlns="" name="Office Theme" id="{62F939B6-93AF-4DB8-9C6B-D6C7DFDC589F}" vid="{4A3C46E8-61CC-4603-A589-7422A47A8E4A}"/>
     </a:ext>
   </a:extLst>
 </a:theme>
